--- a/Courses/Computer-Modeling-and-IT/Computer-Modeling-and-IT-5-Class/11-Loading-Editing-and-Saving-a-Graphic-Image/11-Loading-Editing-and-Saving-a-Graphic-Image.pptx
+++ b/Courses/Computer-Modeling-and-IT/Computer-Modeling-and-IT-5-Class/11-Loading-Editing-and-Saving-a-Graphic-Image/11-Loading-Editing-and-Saving-a-Graphic-Image.pptx
@@ -5,10 +5,10 @@
     <p:sldMasterId id="2147483675" r:id="rId1"/>
   </p:sldMasterIdLst>
   <p:notesMasterIdLst>
-    <p:notesMasterId r:id="rId15"/>
+    <p:notesMasterId r:id="rId17"/>
   </p:notesMasterIdLst>
   <p:handoutMasterIdLst>
-    <p:handoutMasterId r:id="rId16"/>
+    <p:handoutMasterId r:id="rId18"/>
   </p:handoutMasterIdLst>
   <p:sldIdLst>
     <p:sldId id="503" r:id="rId2"/>
@@ -21,9 +21,11 @@
     <p:sldId id="608" r:id="rId9"/>
     <p:sldId id="611" r:id="rId10"/>
     <p:sldId id="609" r:id="rId11"/>
-    <p:sldId id="602" r:id="rId12"/>
-    <p:sldId id="504" r:id="rId13"/>
-    <p:sldId id="505" r:id="rId14"/>
+    <p:sldId id="612" r:id="rId12"/>
+    <p:sldId id="613" r:id="rId13"/>
+    <p:sldId id="602" r:id="rId14"/>
+    <p:sldId id="504" r:id="rId15"/>
+    <p:sldId id="505" r:id="rId16"/>
   </p:sldIdLst>
   <p:sldSz cx="12192000" cy="6858000"/>
   <p:notesSz cx="6858000" cy="9144000"/>
@@ -145,6 +147,8 @@
         <p14:section name="Paint" id="{DF5E0CB3-0A68-4D6A-B8F8-5489411D5958}">
           <p14:sldIdLst>
             <p14:sldId id="609"/>
+            <p14:sldId id="612"/>
+            <p14:sldId id="613"/>
           </p14:sldIdLst>
         </p14:section>
         <p14:section name="Заключение" id="{E19D07F1-86E2-47E9-B2AB-7ADC4F89DC12}">
@@ -271,7 +275,7 @@
           <a:p>
             <a:fld id="{4E087215-0C8F-4762-A664-737A353EC9A4}" type="datetimeFigureOut">
               <a:rPr lang="bg-BG" smtClean="0"/>
-              <a:t>22.10.2023 г.</a:t>
+              <a:t>23.10.2023 г.</a:t>
             </a:fld>
             <a:endParaRPr lang="bg-BG"/>
           </a:p>
@@ -467,7 +471,7 @@
           <a:p>
             <a:fld id="{72D84649-876A-46C9-8472-14CB09C070D8}" type="datetimeFigureOut">
               <a:rPr lang="en-US" smtClean="0"/>
-              <a:t>10/22/2023</a:t>
+              <a:t>10/23/2023</a:t>
             </a:fld>
             <a:endParaRPr lang="en-US"/>
           </a:p>
@@ -1252,7 +1256,7 @@
             <a:fld id="{3EBA5BD7-F043-4D1B-AA17-CD412FC534DE}" type="slidenum">
               <a:rPr lang="en-US" smtClean="0"/>
               <a:pPr/>
-              <a:t>11</a:t>
+              <a:t>13</a:t>
             </a:fld>
             <a:endParaRPr lang="en-US" dirty="0"/>
           </a:p>
@@ -1443,7 +1447,7 @@
             <a:fld id="{3EBA5BD7-F043-4D1B-AA17-CD412FC534DE}" type="slidenum">
               <a:rPr lang="en-US" smtClean="0"/>
               <a:pPr/>
-              <a:t>12</a:t>
+              <a:t>14</a:t>
             </a:fld>
             <a:endParaRPr lang="en-US" dirty="0"/>
           </a:p>
@@ -1673,7 +1677,7 @@
             <a:fld id="{3EBA5BD7-F043-4D1B-AA17-CD412FC534DE}" type="slidenum">
               <a:rPr lang="en-US" smtClean="0"/>
               <a:pPr/>
-              <a:t>13</a:t>
+              <a:t>15</a:t>
             </a:fld>
             <a:endParaRPr lang="en-US" dirty="0"/>
           </a:p>
@@ -4207,7 +4211,7 @@
             <a:fld id="{055373AC-9AA7-423B-BA00-BA1C74164DBD}" type="datetime1">
               <a:rPr lang="en-US" smtClean="0"/>
               <a:pPr/>
-              <a:t>10/22/2023</a:t>
+              <a:t>10/23/2023</a:t>
             </a:fld>
             <a:endParaRPr lang="en-US" dirty="0"/>
           </a:p>
@@ -7889,6 +7893,1571 @@
       </p:grpSpPr>
       <p:sp>
         <p:nvSpPr>
+          <p:cNvPr id="4" name="Title 3"/>
+          <p:cNvSpPr>
+            <a:spLocks noGrp="1"/>
+          </p:cNvSpPr>
+          <p:nvPr>
+            <p:ph type="title"/>
+          </p:nvPr>
+        </p:nvSpPr>
+        <p:spPr/>
+        <p:txBody>
+          <a:bodyPr/>
+          <a:lstStyle/>
+          <a:p>
+            <a:r>
+              <a:rPr lang="bg-BG" dirty="0" smtClean="0"/>
+              <a:t>Основни елементи</a:t>
+            </a:r>
+            <a:endParaRPr lang="en-US" dirty="0"/>
+          </a:p>
+        </p:txBody>
+      </p:sp>
+      <p:grpSp>
+        <p:nvGrpSpPr>
+          <p:cNvPr id="9" name="Group 8"/>
+          <p:cNvGrpSpPr/>
+          <p:nvPr/>
+        </p:nvGrpSpPr>
+        <p:grpSpPr>
+          <a:xfrm>
+            <a:off x="-1" y="1105294"/>
+            <a:ext cx="12191062" cy="5749629"/>
+            <a:chOff x="-1" y="1105294"/>
+            <a:chExt cx="12191062" cy="5749629"/>
+          </a:xfrm>
+        </p:grpSpPr>
+        <p:pic>
+          <p:nvPicPr>
+            <p:cNvPr id="8" name="Picture 7"/>
+            <p:cNvPicPr>
+              <a:picLocks noChangeAspect="1"/>
+            </p:cNvPicPr>
+            <p:nvPr/>
+          </p:nvPicPr>
+          <p:blipFill>
+            <a:blip r:embed="rId2">
+              <a:extLst>
+                <a:ext uri="{28A0092B-C50C-407E-A947-70E740481C1C}">
+                  <a14:useLocalDpi xmlns:a14="http://schemas.microsoft.com/office/drawing/2010/main" val="0"/>
+                </a:ext>
+              </a:extLst>
+            </a:blip>
+            <a:stretch>
+              <a:fillRect/>
+            </a:stretch>
+          </p:blipFill>
+          <p:spPr>
+            <a:xfrm>
+              <a:off x="-1" y="1105294"/>
+              <a:ext cx="10280061" cy="5749629"/>
+            </a:xfrm>
+            <a:prstGeom prst="rect">
+              <a:avLst/>
+            </a:prstGeom>
+          </p:spPr>
+        </p:pic>
+        <p:pic>
+          <p:nvPicPr>
+            <p:cNvPr id="7" name="Picture 6"/>
+            <p:cNvPicPr>
+              <a:picLocks noChangeAspect="1"/>
+            </p:cNvPicPr>
+            <p:nvPr/>
+          </p:nvPicPr>
+          <p:blipFill rotWithShape="1">
+            <a:blip r:embed="rId2">
+              <a:extLst>
+                <a:ext uri="{28A0092B-C50C-407E-A947-70E740481C1C}">
+                  <a14:useLocalDpi xmlns:a14="http://schemas.microsoft.com/office/drawing/2010/main" val="0"/>
+                </a:ext>
+              </a:extLst>
+            </a:blip>
+            <a:srcRect l="72154"/>
+            <a:stretch/>
+          </p:blipFill>
+          <p:spPr>
+            <a:xfrm>
+              <a:off x="8796000" y="1105294"/>
+              <a:ext cx="3395061" cy="5749629"/>
+            </a:xfrm>
+            <a:prstGeom prst="rect">
+              <a:avLst/>
+            </a:prstGeom>
+          </p:spPr>
+        </p:pic>
+      </p:grpSp>
+      <p:sp>
+        <p:nvSpPr>
+          <p:cNvPr id="10" name="Rounded Rectangular Callout 9"/>
+          <p:cNvSpPr/>
+          <p:nvPr/>
+        </p:nvSpPr>
+        <p:spPr bwMode="auto">
+          <a:xfrm>
+            <a:off x="190406" y="2439000"/>
+            <a:ext cx="3565594" cy="675000"/>
+          </a:xfrm>
+          <a:prstGeom prst="wedgeRoundRectCallout">
+            <a:avLst>
+              <a:gd name="adj1" fmla="val -7010"/>
+              <a:gd name="adj2" fmla="val -86601"/>
+              <a:gd name="adj3" fmla="val 16667"/>
+            </a:avLst>
+          </a:prstGeom>
+          <a:solidFill>
+            <a:schemeClr val="dk2">
+              <a:alpha val="80000"/>
+            </a:schemeClr>
+          </a:solidFill>
+          <a:ln w="19050">
+            <a:solidFill>
+              <a:schemeClr val="tx1">
+                <a:lumMod val="75000"/>
+                <a:alpha val="80000"/>
+              </a:schemeClr>
+            </a:solidFill>
+          </a:ln>
+          <a:effectLst/>
+        </p:spPr>
+        <p:style>
+          <a:lnRef idx="2">
+            <a:schemeClr val="accent1">
+              <a:shade val="50000"/>
+            </a:schemeClr>
+          </a:lnRef>
+          <a:fillRef idx="1001">
+            <a:schemeClr val="dk2"/>
+          </a:fillRef>
+          <a:effectRef idx="0">
+            <a:schemeClr val="accent1"/>
+          </a:effectRef>
+          <a:fontRef idx="minor">
+            <a:schemeClr val="lt1"/>
+          </a:fontRef>
+        </p:style>
+        <p:txBody>
+          <a:bodyPr rot="0" spcFirstLastPara="0" vertOverflow="overflow" horzOverflow="overflow" vert="horz" wrap="square" lIns="91440" tIns="45720" rIns="91440" bIns="45720" numCol="1" spcCol="0" rtlCol="0" fromWordArt="0" anchor="ctr" anchorCtr="0" forceAA="0" compatLnSpc="1">
+            <a:prstTxWarp prst="textNoShape">
+              <a:avLst/>
+            </a:prstTxWarp>
+            <a:noAutofit/>
+          </a:bodyPr>
+          <a:lstStyle/>
+          <a:p>
+            <a:pPr algn="ctr"/>
+            <a:r>
+              <a:rPr lang="bg-BG" sz="2800" b="1" dirty="0" smtClean="0">
+                <a:solidFill>
+                  <a:srgbClr val="FFFFFF"/>
+                </a:solidFill>
+                <a:effectLst>
+                  <a:outerShdw blurRad="38100" dist="38100" dir="2700000" algn="tl">
+                    <a:srgbClr val="000000">
+                      <a:alpha val="43137"/>
+                    </a:srgbClr>
+                  </a:outerShdw>
+                </a:effectLst>
+              </a:rPr>
+              <a:t>Панел с инструменти</a:t>
+            </a:r>
+            <a:endParaRPr lang="en-US" sz="2800" b="1" dirty="0">
+              <a:solidFill>
+                <a:srgbClr val="FFFFFF"/>
+              </a:solidFill>
+              <a:effectLst>
+                <a:outerShdw blurRad="38100" dist="38100" dir="2700000" algn="tl">
+                  <a:srgbClr val="000000">
+                    <a:alpha val="43137"/>
+                  </a:srgbClr>
+                </a:outerShdw>
+              </a:effectLst>
+            </a:endParaRPr>
+          </a:p>
+        </p:txBody>
+      </p:sp>
+      <p:sp>
+        <p:nvSpPr>
+          <p:cNvPr id="11" name="Rectangle 10"/>
+          <p:cNvSpPr/>
+          <p:nvPr/>
+        </p:nvSpPr>
+        <p:spPr bwMode="auto">
+          <a:xfrm>
+            <a:off x="-1" y="1449000"/>
+            <a:ext cx="7311001" cy="675000"/>
+          </a:xfrm>
+          <a:prstGeom prst="rect">
+            <a:avLst/>
+          </a:prstGeom>
+          <a:noFill/>
+          <a:ln w="38100">
+            <a:solidFill>
+              <a:schemeClr val="tx1">
+                <a:lumMod val="75000"/>
+                <a:alpha val="80000"/>
+              </a:schemeClr>
+            </a:solidFill>
+          </a:ln>
+          <a:effectLst/>
+        </p:spPr>
+        <p:style>
+          <a:lnRef idx="2">
+            <a:schemeClr val="accent1">
+              <a:shade val="50000"/>
+            </a:schemeClr>
+          </a:lnRef>
+          <a:fillRef idx="1001">
+            <a:schemeClr val="dk2"/>
+          </a:fillRef>
+          <a:effectRef idx="0">
+            <a:schemeClr val="accent1"/>
+          </a:effectRef>
+          <a:fontRef idx="minor">
+            <a:schemeClr val="lt1"/>
+          </a:fontRef>
+        </p:style>
+        <p:txBody>
+          <a:bodyPr rot="0" spcFirstLastPara="0" vertOverflow="overflow" horzOverflow="overflow" vert="horz" wrap="square" lIns="91440" tIns="45720" rIns="91440" bIns="45720" numCol="1" spcCol="0" rtlCol="0" fromWordArt="0" anchor="ctr" anchorCtr="0" forceAA="0" compatLnSpc="1">
+            <a:prstTxWarp prst="textNoShape">
+              <a:avLst/>
+            </a:prstTxWarp>
+            <a:noAutofit/>
+          </a:bodyPr>
+          <a:lstStyle/>
+          <a:p>
+            <a:pPr algn="ctr"/>
+            <a:endParaRPr lang="en-US" sz="2800" b="1" dirty="0">
+              <a:solidFill>
+                <a:srgbClr val="FFFFFF"/>
+              </a:solidFill>
+              <a:effectLst>
+                <a:outerShdw blurRad="38100" dist="38100" dir="2700000" algn="tl">
+                  <a:srgbClr val="000000">
+                    <a:alpha val="43137"/>
+                  </a:srgbClr>
+                </a:outerShdw>
+              </a:effectLst>
+            </a:endParaRPr>
+          </a:p>
+        </p:txBody>
+      </p:sp>
+      <p:sp>
+        <p:nvSpPr>
+          <p:cNvPr id="12" name="Rounded Rectangular Callout 11"/>
+          <p:cNvSpPr/>
+          <p:nvPr/>
+        </p:nvSpPr>
+        <p:spPr bwMode="auto">
+          <a:xfrm>
+            <a:off x="6996000" y="3642608"/>
+            <a:ext cx="2430000" cy="675000"/>
+          </a:xfrm>
+          <a:prstGeom prst="wedgeRoundRectCallout">
+            <a:avLst>
+              <a:gd name="adj1" fmla="val -22164"/>
+              <a:gd name="adj2" fmla="val -2858"/>
+              <a:gd name="adj3" fmla="val 16667"/>
+            </a:avLst>
+          </a:prstGeom>
+          <a:solidFill>
+            <a:schemeClr val="dk2">
+              <a:alpha val="80000"/>
+            </a:schemeClr>
+          </a:solidFill>
+          <a:ln w="19050">
+            <a:solidFill>
+              <a:schemeClr val="tx1">
+                <a:lumMod val="75000"/>
+                <a:alpha val="80000"/>
+              </a:schemeClr>
+            </a:solidFill>
+          </a:ln>
+          <a:effectLst/>
+        </p:spPr>
+        <p:style>
+          <a:lnRef idx="2">
+            <a:schemeClr val="accent1">
+              <a:shade val="50000"/>
+            </a:schemeClr>
+          </a:lnRef>
+          <a:fillRef idx="1001">
+            <a:schemeClr val="dk2"/>
+          </a:fillRef>
+          <a:effectRef idx="0">
+            <a:schemeClr val="accent1"/>
+          </a:effectRef>
+          <a:fontRef idx="minor">
+            <a:schemeClr val="lt1"/>
+          </a:fontRef>
+        </p:style>
+        <p:txBody>
+          <a:bodyPr rot="0" spcFirstLastPara="0" vertOverflow="overflow" horzOverflow="overflow" vert="horz" wrap="square" lIns="91440" tIns="45720" rIns="91440" bIns="45720" numCol="1" spcCol="0" rtlCol="0" fromWordArt="0" anchor="ctr" anchorCtr="0" forceAA="0" compatLnSpc="1">
+            <a:prstTxWarp prst="textNoShape">
+              <a:avLst/>
+            </a:prstTxWarp>
+            <a:noAutofit/>
+          </a:bodyPr>
+          <a:lstStyle/>
+          <a:p>
+            <a:pPr algn="ctr"/>
+            <a:r>
+              <a:rPr lang="bg-BG" sz="2800" b="1" dirty="0" smtClean="0">
+                <a:solidFill>
+                  <a:srgbClr val="FFFFFF"/>
+                </a:solidFill>
+                <a:effectLst>
+                  <a:outerShdw blurRad="38100" dist="38100" dir="2700000" algn="tl">
+                    <a:srgbClr val="000000">
+                      <a:alpha val="43137"/>
+                    </a:srgbClr>
+                  </a:outerShdw>
+                </a:effectLst>
+              </a:rPr>
+              <a:t>Работно поле</a:t>
+            </a:r>
+            <a:endParaRPr lang="en-US" sz="2800" b="1" dirty="0">
+              <a:solidFill>
+                <a:srgbClr val="FFFFFF"/>
+              </a:solidFill>
+              <a:effectLst>
+                <a:outerShdw blurRad="38100" dist="38100" dir="2700000" algn="tl">
+                  <a:srgbClr val="000000">
+                    <a:alpha val="43137"/>
+                  </a:srgbClr>
+                </a:outerShdw>
+              </a:effectLst>
+            </a:endParaRPr>
+          </a:p>
+        </p:txBody>
+      </p:sp>
+      <p:sp>
+        <p:nvSpPr>
+          <p:cNvPr id="13" name="Rounded Rectangular Callout 12"/>
+          <p:cNvSpPr/>
+          <p:nvPr/>
+        </p:nvSpPr>
+        <p:spPr bwMode="auto">
+          <a:xfrm>
+            <a:off x="3756000" y="5662706"/>
+            <a:ext cx="3555000" cy="675000"/>
+          </a:xfrm>
+          <a:prstGeom prst="wedgeRoundRectCallout">
+            <a:avLst>
+              <a:gd name="adj1" fmla="val -36194"/>
+              <a:gd name="adj2" fmla="val 90737"/>
+              <a:gd name="adj3" fmla="val 16667"/>
+            </a:avLst>
+          </a:prstGeom>
+          <a:solidFill>
+            <a:schemeClr val="dk2">
+              <a:alpha val="80000"/>
+            </a:schemeClr>
+          </a:solidFill>
+          <a:ln w="19050">
+            <a:solidFill>
+              <a:schemeClr val="tx1">
+                <a:lumMod val="75000"/>
+                <a:alpha val="80000"/>
+              </a:schemeClr>
+            </a:solidFill>
+          </a:ln>
+          <a:effectLst/>
+        </p:spPr>
+        <p:style>
+          <a:lnRef idx="2">
+            <a:schemeClr val="accent1">
+              <a:shade val="50000"/>
+            </a:schemeClr>
+          </a:lnRef>
+          <a:fillRef idx="1001">
+            <a:schemeClr val="dk2"/>
+          </a:fillRef>
+          <a:effectRef idx="0">
+            <a:schemeClr val="accent1"/>
+          </a:effectRef>
+          <a:fontRef idx="minor">
+            <a:schemeClr val="lt1"/>
+          </a:fontRef>
+        </p:style>
+        <p:txBody>
+          <a:bodyPr rot="0" spcFirstLastPara="0" vertOverflow="overflow" horzOverflow="overflow" vert="horz" wrap="square" lIns="91440" tIns="45720" rIns="91440" bIns="45720" numCol="1" spcCol="0" rtlCol="0" fromWordArt="0" anchor="ctr" anchorCtr="0" forceAA="0" compatLnSpc="1">
+            <a:prstTxWarp prst="textNoShape">
+              <a:avLst/>
+            </a:prstTxWarp>
+            <a:noAutofit/>
+          </a:bodyPr>
+          <a:lstStyle/>
+          <a:p>
+            <a:pPr algn="ctr"/>
+            <a:r>
+              <a:rPr lang="bg-BG" sz="2800" b="1" dirty="0" smtClean="0">
+                <a:solidFill>
+                  <a:srgbClr val="FFFFFF"/>
+                </a:solidFill>
+                <a:effectLst>
+                  <a:outerShdw blurRad="38100" dist="38100" dir="2700000" algn="tl">
+                    <a:srgbClr val="000000">
+                      <a:alpha val="43137"/>
+                    </a:srgbClr>
+                  </a:outerShdw>
+                </a:effectLst>
+              </a:rPr>
+              <a:t>Лента на документа</a:t>
+            </a:r>
+            <a:endParaRPr lang="en-US" sz="2800" b="1" dirty="0">
+              <a:solidFill>
+                <a:srgbClr val="FFFFFF"/>
+              </a:solidFill>
+              <a:effectLst>
+                <a:outerShdw blurRad="38100" dist="38100" dir="2700000" algn="tl">
+                  <a:srgbClr val="000000">
+                    <a:alpha val="43137"/>
+                  </a:srgbClr>
+                </a:outerShdw>
+              </a:effectLst>
+            </a:endParaRPr>
+          </a:p>
+        </p:txBody>
+      </p:sp>
+    </p:spTree>
+    <p:extLst>
+      <p:ext uri="{BB962C8B-B14F-4D97-AF65-F5344CB8AC3E}">
+        <p14:creationId xmlns:p14="http://schemas.microsoft.com/office/powerpoint/2010/main" val="192787070"/>
+      </p:ext>
+    </p:extLst>
+  </p:cSld>
+  <p:clrMapOvr>
+    <a:masterClrMapping/>
+  </p:clrMapOvr>
+  <mc:AlternateContent xmlns:mc="http://schemas.openxmlformats.org/markup-compatibility/2006" xmlns:p14="http://schemas.microsoft.com/office/powerpoint/2010/main">
+    <mc:Choice Requires="p14">
+      <p:transition spd="slow" p14:dur="2000" advClick="0" advTm="5000"/>
+    </mc:Choice>
+    <mc:Fallback xmlns="">
+      <p:transition spd="slow" advClick="0" advTm="5000"/>
+    </mc:Fallback>
+  </mc:AlternateContent>
+  <p:timing>
+    <p:tnLst>
+      <p:par>
+        <p:cTn id="1" dur="indefinite" restart="never" nodeType="tmRoot">
+          <p:childTnLst>
+            <p:seq concurrent="1" nextAc="seek">
+              <p:cTn id="2" dur="indefinite" nodeType="mainSeq">
+                <p:childTnLst>
+                  <p:par>
+                    <p:cTn id="3" fill="hold">
+                      <p:stCondLst>
+                        <p:cond delay="indefinite"/>
+                      </p:stCondLst>
+                      <p:childTnLst>
+                        <p:par>
+                          <p:cTn id="4" fill="hold">
+                            <p:stCondLst>
+                              <p:cond delay="0"/>
+                            </p:stCondLst>
+                            <p:childTnLst>
+                              <p:par>
+                                <p:cTn id="5" presetID="1" presetClass="entr" presetSubtype="0" fill="hold" grpId="0" nodeType="clickEffect">
+                                  <p:stCondLst>
+                                    <p:cond delay="0"/>
+                                  </p:stCondLst>
+                                  <p:childTnLst>
+                                    <p:set>
+                                      <p:cBhvr>
+                                        <p:cTn id="6" dur="1" fill="hold">
+                                          <p:stCondLst>
+                                            <p:cond delay="0"/>
+                                          </p:stCondLst>
+                                        </p:cTn>
+                                        <p:tgtEl>
+                                          <p:spTgt spid="11"/>
+                                        </p:tgtEl>
+                                        <p:attrNameLst>
+                                          <p:attrName>style.visibility</p:attrName>
+                                        </p:attrNameLst>
+                                      </p:cBhvr>
+                                      <p:to>
+                                        <p:strVal val="visible"/>
+                                      </p:to>
+                                    </p:set>
+                                  </p:childTnLst>
+                                </p:cTn>
+                              </p:par>
+                            </p:childTnLst>
+                          </p:cTn>
+                        </p:par>
+                      </p:childTnLst>
+                    </p:cTn>
+                  </p:par>
+                  <p:par>
+                    <p:cTn id="7" fill="hold">
+                      <p:stCondLst>
+                        <p:cond delay="indefinite"/>
+                      </p:stCondLst>
+                      <p:childTnLst>
+                        <p:par>
+                          <p:cTn id="8" fill="hold">
+                            <p:stCondLst>
+                              <p:cond delay="0"/>
+                            </p:stCondLst>
+                            <p:childTnLst>
+                              <p:par>
+                                <p:cTn id="9" presetID="1" presetClass="entr" presetSubtype="0" fill="hold" grpId="0" nodeType="clickEffect">
+                                  <p:stCondLst>
+                                    <p:cond delay="0"/>
+                                  </p:stCondLst>
+                                  <p:childTnLst>
+                                    <p:set>
+                                      <p:cBhvr>
+                                        <p:cTn id="10" dur="1" fill="hold">
+                                          <p:stCondLst>
+                                            <p:cond delay="0"/>
+                                          </p:stCondLst>
+                                        </p:cTn>
+                                        <p:tgtEl>
+                                          <p:spTgt spid="10"/>
+                                        </p:tgtEl>
+                                        <p:attrNameLst>
+                                          <p:attrName>style.visibility</p:attrName>
+                                        </p:attrNameLst>
+                                      </p:cBhvr>
+                                      <p:to>
+                                        <p:strVal val="visible"/>
+                                      </p:to>
+                                    </p:set>
+                                  </p:childTnLst>
+                                </p:cTn>
+                              </p:par>
+                            </p:childTnLst>
+                          </p:cTn>
+                        </p:par>
+                      </p:childTnLst>
+                    </p:cTn>
+                  </p:par>
+                  <p:par>
+                    <p:cTn id="11" fill="hold">
+                      <p:stCondLst>
+                        <p:cond delay="indefinite"/>
+                      </p:stCondLst>
+                      <p:childTnLst>
+                        <p:par>
+                          <p:cTn id="12" fill="hold">
+                            <p:stCondLst>
+                              <p:cond delay="0"/>
+                            </p:stCondLst>
+                            <p:childTnLst>
+                              <p:par>
+                                <p:cTn id="13" presetID="1" presetClass="entr" presetSubtype="0" fill="hold" grpId="0" nodeType="clickEffect">
+                                  <p:stCondLst>
+                                    <p:cond delay="0"/>
+                                  </p:stCondLst>
+                                  <p:childTnLst>
+                                    <p:set>
+                                      <p:cBhvr>
+                                        <p:cTn id="14" dur="1" fill="hold">
+                                          <p:stCondLst>
+                                            <p:cond delay="0"/>
+                                          </p:stCondLst>
+                                        </p:cTn>
+                                        <p:tgtEl>
+                                          <p:spTgt spid="12"/>
+                                        </p:tgtEl>
+                                        <p:attrNameLst>
+                                          <p:attrName>style.visibility</p:attrName>
+                                        </p:attrNameLst>
+                                      </p:cBhvr>
+                                      <p:to>
+                                        <p:strVal val="visible"/>
+                                      </p:to>
+                                    </p:set>
+                                  </p:childTnLst>
+                                </p:cTn>
+                              </p:par>
+                            </p:childTnLst>
+                          </p:cTn>
+                        </p:par>
+                      </p:childTnLst>
+                    </p:cTn>
+                  </p:par>
+                  <p:par>
+                    <p:cTn id="15" fill="hold">
+                      <p:stCondLst>
+                        <p:cond delay="indefinite"/>
+                      </p:stCondLst>
+                      <p:childTnLst>
+                        <p:par>
+                          <p:cTn id="16" fill="hold">
+                            <p:stCondLst>
+                              <p:cond delay="0"/>
+                            </p:stCondLst>
+                            <p:childTnLst>
+                              <p:par>
+                                <p:cTn id="17" presetID="1" presetClass="entr" presetSubtype="0" fill="hold" grpId="0" nodeType="clickEffect">
+                                  <p:stCondLst>
+                                    <p:cond delay="0"/>
+                                  </p:stCondLst>
+                                  <p:childTnLst>
+                                    <p:set>
+                                      <p:cBhvr>
+                                        <p:cTn id="18" dur="1" fill="hold">
+                                          <p:stCondLst>
+                                            <p:cond delay="0"/>
+                                          </p:stCondLst>
+                                        </p:cTn>
+                                        <p:tgtEl>
+                                          <p:spTgt spid="13"/>
+                                        </p:tgtEl>
+                                        <p:attrNameLst>
+                                          <p:attrName>style.visibility</p:attrName>
+                                        </p:attrNameLst>
+                                      </p:cBhvr>
+                                      <p:to>
+                                        <p:strVal val="visible"/>
+                                      </p:to>
+                                    </p:set>
+                                  </p:childTnLst>
+                                </p:cTn>
+                              </p:par>
+                            </p:childTnLst>
+                          </p:cTn>
+                        </p:par>
+                      </p:childTnLst>
+                    </p:cTn>
+                  </p:par>
+                </p:childTnLst>
+              </p:cTn>
+              <p:prevCondLst>
+                <p:cond evt="onPrev" delay="0">
+                  <p:tgtEl>
+                    <p:sldTgt/>
+                  </p:tgtEl>
+                </p:cond>
+              </p:prevCondLst>
+              <p:nextCondLst>
+                <p:cond evt="onNext" delay="0">
+                  <p:tgtEl>
+                    <p:sldTgt/>
+                  </p:tgtEl>
+                </p:cond>
+              </p:nextCondLst>
+            </p:seq>
+          </p:childTnLst>
+        </p:cTn>
+      </p:par>
+    </p:tnLst>
+    <p:bldLst>
+      <p:bldP spid="10" grpId="0" animBg="1"/>
+      <p:bldP spid="11" grpId="0" animBg="1"/>
+      <p:bldP spid="12" grpId="0" animBg="1"/>
+      <p:bldP spid="13" grpId="0" animBg="1"/>
+    </p:bldLst>
+  </p:timing>
+</p:sld>
+</file>
+
+<file path=ppt/slides/slide12.xml><?xml version="1.0" encoding="utf-8"?>
+<p:sld xmlns:a="http://schemas.openxmlformats.org/drawingml/2006/main" xmlns:r="http://schemas.openxmlformats.org/officeDocument/2006/relationships" xmlns:p="http://schemas.openxmlformats.org/presentationml/2006/main">
+  <p:cSld>
+    <p:spTree>
+      <p:nvGrpSpPr>
+        <p:cNvPr id="1" name=""/>
+        <p:cNvGrpSpPr/>
+        <p:nvPr/>
+      </p:nvGrpSpPr>
+      <p:grpSpPr>
+        <a:xfrm>
+          <a:off x="0" y="0"/>
+          <a:ext cx="0" cy="0"/>
+          <a:chOff x="0" y="0"/>
+          <a:chExt cx="0" cy="0"/>
+        </a:xfrm>
+      </p:grpSpPr>
+      <p:sp>
+        <p:nvSpPr>
+          <p:cNvPr id="2" name="Slide Number Placeholder 1"/>
+          <p:cNvSpPr>
+            <a:spLocks noGrp="1"/>
+          </p:cNvSpPr>
+          <p:nvPr>
+            <p:ph type="sldNum" sz="quarter" idx="5"/>
+          </p:nvPr>
+        </p:nvSpPr>
+        <p:spPr/>
+        <p:txBody>
+          <a:bodyPr/>
+          <a:lstStyle/>
+          <a:p>
+            <a:fld id="{2BF067CD-8E6B-4360-9AA8-C5DF2A48A6D1}" type="slidenum">
+              <a:rPr lang="en-US" noProof="0" smtClean="0"/>
+              <a:pPr/>
+              <a:t>12</a:t>
+            </a:fld>
+            <a:endParaRPr lang="en-US" noProof="0" dirty="0"/>
+          </a:p>
+        </p:txBody>
+      </p:sp>
+      <p:sp>
+        <p:nvSpPr>
+          <p:cNvPr id="3" name="Text Placeholder 2"/>
+          <p:cNvSpPr>
+            <a:spLocks noGrp="1"/>
+          </p:cNvSpPr>
+          <p:nvPr>
+            <p:ph type="body" sz="quarter" idx="10"/>
+          </p:nvPr>
+        </p:nvSpPr>
+        <p:spPr/>
+        <p:txBody>
+          <a:bodyPr>
+            <a:normAutofit fontScale="92500" lnSpcReduction="20000"/>
+          </a:bodyPr>
+          <a:lstStyle/>
+          <a:p>
+            <a:r>
+              <a:rPr lang="en-US" b="1" dirty="0" smtClean="0"/>
+              <a:t>͏</a:t>
+            </a:r>
+            <a:r>
+              <a:rPr lang="en-US" b="1" dirty="0" smtClean="0">
+                <a:solidFill>
+                  <a:schemeClr val="bg1"/>
+                </a:solidFill>
+              </a:rPr>
+              <a:t>Clipboard</a:t>
+            </a:r>
+          </a:p>
+          <a:p>
+            <a:pPr lvl="1"/>
+            <a:r>
+              <a:rPr lang="bg-BG" dirty="0" smtClean="0"/>
+              <a:t>Копиране, местене, поставяне на обекти</a:t>
+            </a:r>
+          </a:p>
+          <a:p>
+            <a:r>
+              <a:rPr lang="en-US" dirty="0" smtClean="0"/>
+              <a:t>͏</a:t>
+            </a:r>
+            <a:r>
+              <a:rPr lang="en-US" b="1" dirty="0" smtClean="0">
+                <a:solidFill>
+                  <a:schemeClr val="bg1"/>
+                </a:solidFill>
+              </a:rPr>
+              <a:t>Image</a:t>
+            </a:r>
+          </a:p>
+          <a:p>
+            <a:pPr lvl="1"/>
+            <a:r>
+              <a:rPr lang="bg-BG" dirty="0" smtClean="0"/>
+              <a:t>Обработка на изображение</a:t>
+            </a:r>
+          </a:p>
+          <a:p>
+            <a:r>
+              <a:rPr lang="en-US" dirty="0" smtClean="0"/>
+              <a:t>͏</a:t>
+            </a:r>
+            <a:r>
+              <a:rPr lang="en-US" b="1" dirty="0" smtClean="0">
+                <a:solidFill>
+                  <a:schemeClr val="bg1"/>
+                </a:solidFill>
+              </a:rPr>
+              <a:t>Tools</a:t>
+            </a:r>
+            <a:endParaRPr lang="bg-BG" b="1" dirty="0" smtClean="0">
+              <a:solidFill>
+                <a:schemeClr val="bg1"/>
+              </a:solidFill>
+            </a:endParaRPr>
+          </a:p>
+          <a:p>
+            <a:pPr lvl="1"/>
+            <a:r>
+              <a:rPr lang="bg-BG" dirty="0" smtClean="0"/>
+              <a:t>Молив, кофа с боя, гума, текстов редакто</a:t>
+            </a:r>
+            <a:r>
+              <a:rPr lang="bg-BG" dirty="0"/>
+              <a:t>р</a:t>
+            </a:r>
+            <a:r>
+              <a:rPr lang="bg-BG" dirty="0" smtClean="0"/>
+              <a:t>, лупа, пипетка</a:t>
+            </a:r>
+          </a:p>
+          <a:p>
+            <a:r>
+              <a:rPr lang="en-US" dirty="0" smtClean="0"/>
+              <a:t>͏</a:t>
+            </a:r>
+            <a:r>
+              <a:rPr lang="en-US" b="1" dirty="0" smtClean="0">
+                <a:solidFill>
+                  <a:schemeClr val="bg1"/>
+                </a:solidFill>
+              </a:rPr>
+              <a:t>Brushes</a:t>
+            </a:r>
+            <a:r>
+              <a:rPr lang="en-US" dirty="0" smtClean="0"/>
+              <a:t> </a:t>
+            </a:r>
+            <a:endParaRPr lang="bg-BG" dirty="0" smtClean="0"/>
+          </a:p>
+          <a:p>
+            <a:r>
+              <a:rPr lang="en-US" dirty="0" smtClean="0"/>
+              <a:t>͏</a:t>
+            </a:r>
+            <a:r>
+              <a:rPr lang="en-US" b="1" dirty="0" smtClean="0">
+                <a:solidFill>
+                  <a:schemeClr val="bg1"/>
+                </a:solidFill>
+              </a:rPr>
+              <a:t>Shapes</a:t>
+            </a:r>
+          </a:p>
+          <a:p>
+            <a:r>
+              <a:rPr lang="en-US" dirty="0" smtClean="0"/>
+              <a:t>͏</a:t>
+            </a:r>
+            <a:r>
+              <a:rPr lang="en-US" b="1" dirty="0" smtClean="0">
+                <a:solidFill>
+                  <a:schemeClr val="bg1"/>
+                </a:solidFill>
+              </a:rPr>
+              <a:t>Size</a:t>
+            </a:r>
+          </a:p>
+          <a:p>
+            <a:r>
+              <a:rPr lang="en-US" dirty="0" smtClean="0"/>
+              <a:t>͏</a:t>
+            </a:r>
+            <a:r>
+              <a:rPr lang="en-US" b="1" dirty="0" smtClean="0">
+                <a:solidFill>
+                  <a:schemeClr val="bg1"/>
+                </a:solidFill>
+              </a:rPr>
+              <a:t>Colors</a:t>
+            </a:r>
+            <a:endParaRPr lang="bg-BG" b="1" dirty="0" smtClean="0">
+              <a:solidFill>
+                <a:schemeClr val="bg1"/>
+              </a:solidFill>
+            </a:endParaRPr>
+          </a:p>
+        </p:txBody>
+      </p:sp>
+      <p:sp>
+        <p:nvSpPr>
+          <p:cNvPr id="4" name="Title 3"/>
+          <p:cNvSpPr>
+            <a:spLocks noGrp="1"/>
+          </p:cNvSpPr>
+          <p:nvPr>
+            <p:ph type="title"/>
+          </p:nvPr>
+        </p:nvSpPr>
+        <p:spPr/>
+        <p:txBody>
+          <a:bodyPr/>
+          <a:lstStyle/>
+          <a:p>
+            <a:r>
+              <a:rPr lang="en-US" dirty="0" smtClean="0"/>
+              <a:t>Home </a:t>
+            </a:r>
+            <a:r>
+              <a:rPr lang="bg-BG" dirty="0" smtClean="0"/>
+              <a:t>меню</a:t>
+            </a:r>
+            <a:endParaRPr lang="en-US" dirty="0"/>
+          </a:p>
+        </p:txBody>
+      </p:sp>
+      <p:pic>
+        <p:nvPicPr>
+          <p:cNvPr id="5" name="Picture 4"/>
+          <p:cNvPicPr>
+            <a:picLocks noChangeAspect="1"/>
+          </p:cNvPicPr>
+          <p:nvPr/>
+        </p:nvPicPr>
+        <p:blipFill rotWithShape="1">
+          <a:blip r:embed="rId2">
+            <a:extLst>
+              <a:ext uri="{28A0092B-C50C-407E-A947-70E740481C1C}">
+                <a14:useLocalDpi xmlns:a14="http://schemas.microsoft.com/office/drawing/2010/main" val="0"/>
+              </a:ext>
+            </a:extLst>
+          </a:blip>
+          <a:srcRect r="3333"/>
+          <a:stretch/>
+        </p:blipFill>
+        <p:spPr>
+          <a:xfrm>
+            <a:off x="8481000" y="1314000"/>
+            <a:ext cx="1305000" cy="1135515"/>
+          </a:xfrm>
+          <a:prstGeom prst="rect">
+            <a:avLst/>
+          </a:prstGeom>
+          <a:ln>
+            <a:solidFill>
+              <a:schemeClr val="bg2">
+                <a:lumMod val="75000"/>
+              </a:schemeClr>
+            </a:solidFill>
+          </a:ln>
+        </p:spPr>
+      </p:pic>
+      <p:pic>
+        <p:nvPicPr>
+          <p:cNvPr id="6" name="Picture 5"/>
+          <p:cNvPicPr>
+            <a:picLocks noChangeAspect="1"/>
+          </p:cNvPicPr>
+          <p:nvPr/>
+        </p:nvPicPr>
+        <p:blipFill>
+          <a:blip r:embed="rId3">
+            <a:extLst>
+              <a:ext uri="{28A0092B-C50C-407E-A947-70E740481C1C}">
+                <a14:useLocalDpi xmlns:a14="http://schemas.microsoft.com/office/drawing/2010/main" val="0"/>
+              </a:ext>
+            </a:extLst>
+          </a:blip>
+          <a:stretch>
+            <a:fillRect/>
+          </a:stretch>
+        </p:blipFill>
+        <p:spPr>
+          <a:xfrm>
+            <a:off x="6051000" y="2529000"/>
+            <a:ext cx="1485000" cy="1150875"/>
+          </a:xfrm>
+          <a:prstGeom prst="rect">
+            <a:avLst/>
+          </a:prstGeom>
+          <a:ln>
+            <a:solidFill>
+              <a:schemeClr val="bg2">
+                <a:lumMod val="75000"/>
+              </a:schemeClr>
+            </a:solidFill>
+          </a:ln>
+        </p:spPr>
+      </p:pic>
+      <p:pic>
+        <p:nvPicPr>
+          <p:cNvPr id="7" name="Picture 6"/>
+          <p:cNvPicPr>
+            <a:picLocks noChangeAspect="1"/>
+          </p:cNvPicPr>
+          <p:nvPr/>
+        </p:nvPicPr>
+        <p:blipFill>
+          <a:blip r:embed="rId4">
+            <a:extLst>
+              <a:ext uri="{28A0092B-C50C-407E-A947-70E740481C1C}">
+                <a14:useLocalDpi xmlns:a14="http://schemas.microsoft.com/office/drawing/2010/main" val="0"/>
+              </a:ext>
+            </a:extLst>
+          </a:blip>
+          <a:stretch>
+            <a:fillRect/>
+          </a:stretch>
+        </p:blipFill>
+        <p:spPr>
+          <a:xfrm>
+            <a:off x="10731000" y="3519000"/>
+            <a:ext cx="1125000" cy="1353041"/>
+          </a:xfrm>
+          <a:prstGeom prst="rect">
+            <a:avLst/>
+          </a:prstGeom>
+          <a:ln>
+            <a:solidFill>
+              <a:schemeClr val="bg2">
+                <a:lumMod val="75000"/>
+              </a:schemeClr>
+            </a:solidFill>
+          </a:ln>
+        </p:spPr>
+      </p:pic>
+      <p:pic>
+        <p:nvPicPr>
+          <p:cNvPr id="8" name="Picture 7"/>
+          <p:cNvPicPr>
+            <a:picLocks noChangeAspect="1"/>
+          </p:cNvPicPr>
+          <p:nvPr/>
+        </p:nvPicPr>
+        <p:blipFill>
+          <a:blip r:embed="rId5">
+            <a:extLst>
+              <a:ext uri="{28A0092B-C50C-407E-A947-70E740481C1C}">
+                <a14:useLocalDpi xmlns:a14="http://schemas.microsoft.com/office/drawing/2010/main" val="0"/>
+              </a:ext>
+            </a:extLst>
+          </a:blip>
+          <a:stretch>
+            <a:fillRect/>
+          </a:stretch>
+        </p:blipFill>
+        <p:spPr>
+          <a:xfrm>
+            <a:off x="2373570" y="5229000"/>
+            <a:ext cx="7444861" cy="956896"/>
+          </a:xfrm>
+          <a:prstGeom prst="rect">
+            <a:avLst/>
+          </a:prstGeom>
+          <a:ln>
+            <a:solidFill>
+              <a:schemeClr val="bg2">
+                <a:lumMod val="75000"/>
+              </a:schemeClr>
+            </a:solidFill>
+          </a:ln>
+        </p:spPr>
+      </p:pic>
+    </p:spTree>
+    <p:extLst>
+      <p:ext uri="{BB962C8B-B14F-4D97-AF65-F5344CB8AC3E}">
+        <p14:creationId xmlns:p14="http://schemas.microsoft.com/office/powerpoint/2010/main" val="1129618362"/>
+      </p:ext>
+    </p:extLst>
+  </p:cSld>
+  <p:clrMapOvr>
+    <a:masterClrMapping/>
+  </p:clrMapOvr>
+  <mc:AlternateContent xmlns:mc="http://schemas.openxmlformats.org/markup-compatibility/2006" xmlns:p14="http://schemas.microsoft.com/office/powerpoint/2010/main">
+    <mc:Choice Requires="p14">
+      <p:transition spd="slow" p14:dur="2000" advClick="0" advTm="5000"/>
+    </mc:Choice>
+    <mc:Fallback xmlns="">
+      <p:transition spd="slow" advClick="0" advTm="5000"/>
+    </mc:Fallback>
+  </mc:AlternateContent>
+  <p:timing>
+    <p:tnLst>
+      <p:par>
+        <p:cTn id="1" dur="indefinite" restart="never" nodeType="tmRoot">
+          <p:childTnLst>
+            <p:seq concurrent="1" nextAc="seek">
+              <p:cTn id="2" dur="indefinite" nodeType="mainSeq">
+                <p:childTnLst>
+                  <p:par>
+                    <p:cTn id="3" fill="hold">
+                      <p:stCondLst>
+                        <p:cond delay="indefinite"/>
+                      </p:stCondLst>
+                      <p:childTnLst>
+                        <p:par>
+                          <p:cTn id="4" fill="hold">
+                            <p:stCondLst>
+                              <p:cond delay="0"/>
+                            </p:stCondLst>
+                            <p:childTnLst>
+                              <p:par>
+                                <p:cTn id="5" presetID="1" presetClass="entr" presetSubtype="0" fill="hold" nodeType="clickEffect">
+                                  <p:stCondLst>
+                                    <p:cond delay="0"/>
+                                  </p:stCondLst>
+                                  <p:childTnLst>
+                                    <p:set>
+                                      <p:cBhvr>
+                                        <p:cTn id="6" dur="1" fill="hold">
+                                          <p:stCondLst>
+                                            <p:cond delay="0"/>
+                                          </p:stCondLst>
+                                        </p:cTn>
+                                        <p:tgtEl>
+                                          <p:spTgt spid="3">
+                                            <p:txEl>
+                                              <p:pRg st="2" end="2"/>
+                                            </p:txEl>
+                                          </p:spTgt>
+                                        </p:tgtEl>
+                                        <p:attrNameLst>
+                                          <p:attrName>style.visibility</p:attrName>
+                                        </p:attrNameLst>
+                                      </p:cBhvr>
+                                      <p:to>
+                                        <p:strVal val="visible"/>
+                                      </p:to>
+                                    </p:set>
+                                  </p:childTnLst>
+                                </p:cTn>
+                              </p:par>
+                              <p:par>
+                                <p:cTn id="7" presetID="1" presetClass="entr" presetSubtype="0" fill="hold" nodeType="withEffect">
+                                  <p:stCondLst>
+                                    <p:cond delay="0"/>
+                                  </p:stCondLst>
+                                  <p:childTnLst>
+                                    <p:set>
+                                      <p:cBhvr>
+                                        <p:cTn id="8" dur="1" fill="hold">
+                                          <p:stCondLst>
+                                            <p:cond delay="0"/>
+                                          </p:stCondLst>
+                                        </p:cTn>
+                                        <p:tgtEl>
+                                          <p:spTgt spid="3">
+                                            <p:txEl>
+                                              <p:pRg st="3" end="3"/>
+                                            </p:txEl>
+                                          </p:spTgt>
+                                        </p:tgtEl>
+                                        <p:attrNameLst>
+                                          <p:attrName>style.visibility</p:attrName>
+                                        </p:attrNameLst>
+                                      </p:cBhvr>
+                                      <p:to>
+                                        <p:strVal val="visible"/>
+                                      </p:to>
+                                    </p:set>
+                                  </p:childTnLst>
+                                </p:cTn>
+                              </p:par>
+                              <p:par>
+                                <p:cTn id="9" presetID="1" presetClass="entr" presetSubtype="0" fill="hold" nodeType="withEffect">
+                                  <p:stCondLst>
+                                    <p:cond delay="0"/>
+                                  </p:stCondLst>
+                                  <p:childTnLst>
+                                    <p:set>
+                                      <p:cBhvr>
+                                        <p:cTn id="10" dur="1" fill="hold">
+                                          <p:stCondLst>
+                                            <p:cond delay="0"/>
+                                          </p:stCondLst>
+                                        </p:cTn>
+                                        <p:tgtEl>
+                                          <p:spTgt spid="6"/>
+                                        </p:tgtEl>
+                                        <p:attrNameLst>
+                                          <p:attrName>style.visibility</p:attrName>
+                                        </p:attrNameLst>
+                                      </p:cBhvr>
+                                      <p:to>
+                                        <p:strVal val="visible"/>
+                                      </p:to>
+                                    </p:set>
+                                  </p:childTnLst>
+                                </p:cTn>
+                              </p:par>
+                            </p:childTnLst>
+                          </p:cTn>
+                        </p:par>
+                      </p:childTnLst>
+                    </p:cTn>
+                  </p:par>
+                  <p:par>
+                    <p:cTn id="11" fill="hold">
+                      <p:stCondLst>
+                        <p:cond delay="indefinite"/>
+                      </p:stCondLst>
+                      <p:childTnLst>
+                        <p:par>
+                          <p:cTn id="12" fill="hold">
+                            <p:stCondLst>
+                              <p:cond delay="0"/>
+                            </p:stCondLst>
+                            <p:childTnLst>
+                              <p:par>
+                                <p:cTn id="13" presetID="1" presetClass="entr" presetSubtype="0" fill="hold" nodeType="clickEffect">
+                                  <p:stCondLst>
+                                    <p:cond delay="0"/>
+                                  </p:stCondLst>
+                                  <p:childTnLst>
+                                    <p:set>
+                                      <p:cBhvr>
+                                        <p:cTn id="14" dur="1" fill="hold">
+                                          <p:stCondLst>
+                                            <p:cond delay="0"/>
+                                          </p:stCondLst>
+                                        </p:cTn>
+                                        <p:tgtEl>
+                                          <p:spTgt spid="3">
+                                            <p:txEl>
+                                              <p:pRg st="4" end="4"/>
+                                            </p:txEl>
+                                          </p:spTgt>
+                                        </p:tgtEl>
+                                        <p:attrNameLst>
+                                          <p:attrName>style.visibility</p:attrName>
+                                        </p:attrNameLst>
+                                      </p:cBhvr>
+                                      <p:to>
+                                        <p:strVal val="visible"/>
+                                      </p:to>
+                                    </p:set>
+                                  </p:childTnLst>
+                                </p:cTn>
+                              </p:par>
+                              <p:par>
+                                <p:cTn id="15" presetID="1" presetClass="entr" presetSubtype="0" fill="hold" nodeType="withEffect">
+                                  <p:stCondLst>
+                                    <p:cond delay="0"/>
+                                  </p:stCondLst>
+                                  <p:childTnLst>
+                                    <p:set>
+                                      <p:cBhvr>
+                                        <p:cTn id="16" dur="1" fill="hold">
+                                          <p:stCondLst>
+                                            <p:cond delay="0"/>
+                                          </p:stCondLst>
+                                        </p:cTn>
+                                        <p:tgtEl>
+                                          <p:spTgt spid="3">
+                                            <p:txEl>
+                                              <p:pRg st="5" end="5"/>
+                                            </p:txEl>
+                                          </p:spTgt>
+                                        </p:tgtEl>
+                                        <p:attrNameLst>
+                                          <p:attrName>style.visibility</p:attrName>
+                                        </p:attrNameLst>
+                                      </p:cBhvr>
+                                      <p:to>
+                                        <p:strVal val="visible"/>
+                                      </p:to>
+                                    </p:set>
+                                  </p:childTnLst>
+                                </p:cTn>
+                              </p:par>
+                              <p:par>
+                                <p:cTn id="17" presetID="1" presetClass="entr" presetSubtype="0" fill="hold" nodeType="withEffect">
+                                  <p:stCondLst>
+                                    <p:cond delay="0"/>
+                                  </p:stCondLst>
+                                  <p:childTnLst>
+                                    <p:set>
+                                      <p:cBhvr>
+                                        <p:cTn id="18" dur="1" fill="hold">
+                                          <p:stCondLst>
+                                            <p:cond delay="0"/>
+                                          </p:stCondLst>
+                                        </p:cTn>
+                                        <p:tgtEl>
+                                          <p:spTgt spid="7"/>
+                                        </p:tgtEl>
+                                        <p:attrNameLst>
+                                          <p:attrName>style.visibility</p:attrName>
+                                        </p:attrNameLst>
+                                      </p:cBhvr>
+                                      <p:to>
+                                        <p:strVal val="visible"/>
+                                      </p:to>
+                                    </p:set>
+                                  </p:childTnLst>
+                                </p:cTn>
+                              </p:par>
+                            </p:childTnLst>
+                          </p:cTn>
+                        </p:par>
+                      </p:childTnLst>
+                    </p:cTn>
+                  </p:par>
+                  <p:par>
+                    <p:cTn id="19" fill="hold">
+                      <p:stCondLst>
+                        <p:cond delay="indefinite"/>
+                      </p:stCondLst>
+                      <p:childTnLst>
+                        <p:par>
+                          <p:cTn id="20" fill="hold">
+                            <p:stCondLst>
+                              <p:cond delay="0"/>
+                            </p:stCondLst>
+                            <p:childTnLst>
+                              <p:par>
+                                <p:cTn id="21" presetID="1" presetClass="entr" presetSubtype="0" fill="hold" nodeType="clickEffect">
+                                  <p:stCondLst>
+                                    <p:cond delay="0"/>
+                                  </p:stCondLst>
+                                  <p:childTnLst>
+                                    <p:set>
+                                      <p:cBhvr>
+                                        <p:cTn id="22" dur="1" fill="hold">
+                                          <p:stCondLst>
+                                            <p:cond delay="0"/>
+                                          </p:stCondLst>
+                                        </p:cTn>
+                                        <p:tgtEl>
+                                          <p:spTgt spid="3">
+                                            <p:txEl>
+                                              <p:pRg st="6" end="6"/>
+                                            </p:txEl>
+                                          </p:spTgt>
+                                        </p:tgtEl>
+                                        <p:attrNameLst>
+                                          <p:attrName>style.visibility</p:attrName>
+                                        </p:attrNameLst>
+                                      </p:cBhvr>
+                                      <p:to>
+                                        <p:strVal val="visible"/>
+                                      </p:to>
+                                    </p:set>
+                                  </p:childTnLst>
+                                </p:cTn>
+                              </p:par>
+                            </p:childTnLst>
+                          </p:cTn>
+                        </p:par>
+                      </p:childTnLst>
+                    </p:cTn>
+                  </p:par>
+                  <p:par>
+                    <p:cTn id="23" fill="hold">
+                      <p:stCondLst>
+                        <p:cond delay="indefinite"/>
+                      </p:stCondLst>
+                      <p:childTnLst>
+                        <p:par>
+                          <p:cTn id="24" fill="hold">
+                            <p:stCondLst>
+                              <p:cond delay="0"/>
+                            </p:stCondLst>
+                            <p:childTnLst>
+                              <p:par>
+                                <p:cTn id="25" presetID="1" presetClass="entr" presetSubtype="0" fill="hold" nodeType="clickEffect">
+                                  <p:stCondLst>
+                                    <p:cond delay="0"/>
+                                  </p:stCondLst>
+                                  <p:childTnLst>
+                                    <p:set>
+                                      <p:cBhvr>
+                                        <p:cTn id="26" dur="1" fill="hold">
+                                          <p:stCondLst>
+                                            <p:cond delay="0"/>
+                                          </p:stCondLst>
+                                        </p:cTn>
+                                        <p:tgtEl>
+                                          <p:spTgt spid="3">
+                                            <p:txEl>
+                                              <p:pRg st="7" end="7"/>
+                                            </p:txEl>
+                                          </p:spTgt>
+                                        </p:tgtEl>
+                                        <p:attrNameLst>
+                                          <p:attrName>style.visibility</p:attrName>
+                                        </p:attrNameLst>
+                                      </p:cBhvr>
+                                      <p:to>
+                                        <p:strVal val="visible"/>
+                                      </p:to>
+                                    </p:set>
+                                  </p:childTnLst>
+                                </p:cTn>
+                              </p:par>
+                            </p:childTnLst>
+                          </p:cTn>
+                        </p:par>
+                      </p:childTnLst>
+                    </p:cTn>
+                  </p:par>
+                  <p:par>
+                    <p:cTn id="27" fill="hold">
+                      <p:stCondLst>
+                        <p:cond delay="indefinite"/>
+                      </p:stCondLst>
+                      <p:childTnLst>
+                        <p:par>
+                          <p:cTn id="28" fill="hold">
+                            <p:stCondLst>
+                              <p:cond delay="0"/>
+                            </p:stCondLst>
+                            <p:childTnLst>
+                              <p:par>
+                                <p:cTn id="29" presetID="1" presetClass="entr" presetSubtype="0" fill="hold" nodeType="clickEffect">
+                                  <p:stCondLst>
+                                    <p:cond delay="0"/>
+                                  </p:stCondLst>
+                                  <p:childTnLst>
+                                    <p:set>
+                                      <p:cBhvr>
+                                        <p:cTn id="30" dur="1" fill="hold">
+                                          <p:stCondLst>
+                                            <p:cond delay="0"/>
+                                          </p:stCondLst>
+                                        </p:cTn>
+                                        <p:tgtEl>
+                                          <p:spTgt spid="3">
+                                            <p:txEl>
+                                              <p:pRg st="8" end="8"/>
+                                            </p:txEl>
+                                          </p:spTgt>
+                                        </p:tgtEl>
+                                        <p:attrNameLst>
+                                          <p:attrName>style.visibility</p:attrName>
+                                        </p:attrNameLst>
+                                      </p:cBhvr>
+                                      <p:to>
+                                        <p:strVal val="visible"/>
+                                      </p:to>
+                                    </p:set>
+                                  </p:childTnLst>
+                                </p:cTn>
+                              </p:par>
+                            </p:childTnLst>
+                          </p:cTn>
+                        </p:par>
+                      </p:childTnLst>
+                    </p:cTn>
+                  </p:par>
+                  <p:par>
+                    <p:cTn id="31" fill="hold">
+                      <p:stCondLst>
+                        <p:cond delay="indefinite"/>
+                      </p:stCondLst>
+                      <p:childTnLst>
+                        <p:par>
+                          <p:cTn id="32" fill="hold">
+                            <p:stCondLst>
+                              <p:cond delay="0"/>
+                            </p:stCondLst>
+                            <p:childTnLst>
+                              <p:par>
+                                <p:cTn id="33" presetID="1" presetClass="entr" presetSubtype="0" fill="hold" nodeType="clickEffect">
+                                  <p:stCondLst>
+                                    <p:cond delay="0"/>
+                                  </p:stCondLst>
+                                  <p:childTnLst>
+                                    <p:set>
+                                      <p:cBhvr>
+                                        <p:cTn id="34" dur="1" fill="hold">
+                                          <p:stCondLst>
+                                            <p:cond delay="0"/>
+                                          </p:stCondLst>
+                                        </p:cTn>
+                                        <p:tgtEl>
+                                          <p:spTgt spid="3">
+                                            <p:txEl>
+                                              <p:pRg st="9" end="9"/>
+                                            </p:txEl>
+                                          </p:spTgt>
+                                        </p:tgtEl>
+                                        <p:attrNameLst>
+                                          <p:attrName>style.visibility</p:attrName>
+                                        </p:attrNameLst>
+                                      </p:cBhvr>
+                                      <p:to>
+                                        <p:strVal val="visible"/>
+                                      </p:to>
+                                    </p:set>
+                                  </p:childTnLst>
+                                </p:cTn>
+                              </p:par>
+                            </p:childTnLst>
+                          </p:cTn>
+                        </p:par>
+                      </p:childTnLst>
+                    </p:cTn>
+                  </p:par>
+                  <p:par>
+                    <p:cTn id="35" fill="hold">
+                      <p:stCondLst>
+                        <p:cond delay="indefinite"/>
+                      </p:stCondLst>
+                      <p:childTnLst>
+                        <p:par>
+                          <p:cTn id="36" fill="hold">
+                            <p:stCondLst>
+                              <p:cond delay="0"/>
+                            </p:stCondLst>
+                            <p:childTnLst>
+                              <p:par>
+                                <p:cTn id="37" presetID="1" presetClass="entr" presetSubtype="0" fill="hold" nodeType="clickEffect">
+                                  <p:stCondLst>
+                                    <p:cond delay="0"/>
+                                  </p:stCondLst>
+                                  <p:childTnLst>
+                                    <p:set>
+                                      <p:cBhvr>
+                                        <p:cTn id="38" dur="1" fill="hold">
+                                          <p:stCondLst>
+                                            <p:cond delay="0"/>
+                                          </p:stCondLst>
+                                        </p:cTn>
+                                        <p:tgtEl>
+                                          <p:spTgt spid="8"/>
+                                        </p:tgtEl>
+                                        <p:attrNameLst>
+                                          <p:attrName>style.visibility</p:attrName>
+                                        </p:attrNameLst>
+                                      </p:cBhvr>
+                                      <p:to>
+                                        <p:strVal val="visible"/>
+                                      </p:to>
+                                    </p:set>
+                                  </p:childTnLst>
+                                </p:cTn>
+                              </p:par>
+                            </p:childTnLst>
+                          </p:cTn>
+                        </p:par>
+                      </p:childTnLst>
+                    </p:cTn>
+                  </p:par>
+                </p:childTnLst>
+              </p:cTn>
+              <p:prevCondLst>
+                <p:cond evt="onPrev" delay="0">
+                  <p:tgtEl>
+                    <p:sldTgt/>
+                  </p:tgtEl>
+                </p:cond>
+              </p:prevCondLst>
+              <p:nextCondLst>
+                <p:cond evt="onNext" delay="0">
+                  <p:tgtEl>
+                    <p:sldTgt/>
+                  </p:tgtEl>
+                </p:cond>
+              </p:nextCondLst>
+            </p:seq>
+          </p:childTnLst>
+        </p:cTn>
+      </p:par>
+    </p:tnLst>
+  </p:timing>
+</p:sld>
+</file>
+
+<file path=ppt/slides/slide13.xml><?xml version="1.0" encoding="utf-8"?>
+<p:sld xmlns:a="http://schemas.openxmlformats.org/drawingml/2006/main" xmlns:r="http://schemas.openxmlformats.org/officeDocument/2006/relationships" xmlns:p="http://schemas.openxmlformats.org/presentationml/2006/main">
+  <p:cSld>
+    <p:spTree>
+      <p:nvGrpSpPr>
+        <p:cNvPr id="1" name=""/>
+        <p:cNvGrpSpPr/>
+        <p:nvPr/>
+      </p:nvGrpSpPr>
+      <p:grpSpPr>
+        <a:xfrm>
+          <a:off x="0" y="0"/>
+          <a:ext cx="0" cy="0"/>
+          <a:chOff x="0" y="0"/>
+          <a:chExt cx="0" cy="0"/>
+        </a:xfrm>
+      </p:grpSpPr>
+      <p:sp>
+        <p:nvSpPr>
           <p:cNvPr id="14" name="Text Placeholder 4">
             <a:extLst>
               <a:ext uri="{FF2B5EF4-FFF2-40B4-BE49-F238E27FC236}">
@@ -8132,7 +9701,7 @@
             <a:fld id="{C014DD1E-5D91-48A3-AD6D-45FBA980D106}" type="slidenum">
               <a:rPr lang="en-US" smtClean="0"/>
               <a:pPr/>
-              <a:t>11</a:t>
+              <a:t>13</a:t>
             </a:fld>
             <a:endParaRPr lang="en-US" dirty="0"/>
           </a:p>
@@ -8581,7 +10150,7 @@
 </p:sld>
 </file>
 
-<file path=ppt/slides/slide12.xml><?xml version="1.0" encoding="utf-8"?>
+<file path=ppt/slides/slide14.xml><?xml version="1.0" encoding="utf-8"?>
 <p:sld xmlns:a="http://schemas.openxmlformats.org/drawingml/2006/main" xmlns:r="http://schemas.openxmlformats.org/officeDocument/2006/relationships" xmlns:p="http://schemas.openxmlformats.org/presentationml/2006/main">
   <p:cSld>
     <p:spTree>
@@ -8695,7 +10264,7 @@
                 <a:hlinkClick r:id="rId3">
                   <a:extLst>
                     <a:ext uri="{A12FA001-AC4F-418D-AE19-62706E023703}">
-                      <ahyp:hlinkClr xmlns="" xmlns:ahyp="http://schemas.microsoft.com/office/drawing/2018/hyperlinkcolor" val="tx"/>
+                      <ahyp:hlinkClr xmlns:ahyp="http://schemas.microsoft.com/office/drawing/2018/hyperlinkcolor" xmlns="" val="tx"/>
                     </a:ext>
                   </a:extLst>
                 </a:hlinkClick>
@@ -8778,7 +10347,7 @@
 </p:sld>
 </file>
 
-<file path=ppt/slides/slide13.xml><?xml version="1.0" encoding="utf-8"?>
+<file path=ppt/slides/slide15.xml><?xml version="1.0" encoding="utf-8"?>
 <p:sld xmlns:a="http://schemas.openxmlformats.org/drawingml/2006/main" xmlns:r="http://schemas.openxmlformats.org/officeDocument/2006/relationships" xmlns:p="http://schemas.openxmlformats.org/presentationml/2006/main">
   <p:cSld>
     <p:spTree>
@@ -8831,7 +10400,7 @@
             <a:fld id="{2BF067CD-8E6B-4360-9AA8-C5DF2A48A6D1}" type="slidenum">
               <a:rPr lang="en-US" smtClean="0"/>
               <a:pPr/>
-              <a:t>13</a:t>
+              <a:t>15</a:t>
             </a:fld>
             <a:endParaRPr lang="en-US" dirty="0"/>
           </a:p>
@@ -11605,10 +13174,82 @@
           <a:lstStyle/>
           <a:p>
             <a:r>
+              <a:rPr lang="bg-BG" dirty="0" smtClean="0"/>
+              <a:t>Отворете изображенията от папката </a:t>
+            </a:r>
+            <a:r>
+              <a:rPr lang="en-US" b="1" dirty="0" smtClean="0">
+                <a:solidFill>
+                  <a:schemeClr val="bg1"/>
+                </a:solidFill>
+              </a:rPr>
+              <a:t>materials</a:t>
+            </a:r>
+            <a:r>
+              <a:rPr lang="bg-BG" dirty="0" smtClean="0"/>
+              <a:t>. Определете кои от файловете са </a:t>
+            </a:r>
+            <a:r>
+              <a:rPr lang="bg-BG" b="1" dirty="0" smtClean="0"/>
+              <a:t>растерни</a:t>
+            </a:r>
+            <a:r>
+              <a:rPr lang="bg-BG" dirty="0" smtClean="0"/>
+              <a:t> и кои </a:t>
+            </a:r>
+            <a:r>
+              <a:rPr lang="bg-BG" b="1" dirty="0" smtClean="0"/>
+              <a:t>векторни</a:t>
+            </a:r>
+            <a:r>
+              <a:rPr lang="bg-BG" dirty="0" smtClean="0"/>
+              <a:t>. Разпределете ги в </a:t>
+            </a:r>
+            <a:r>
+              <a:rPr lang="bg-BG" b="1" dirty="0" smtClean="0"/>
+              <a:t>две</a:t>
+            </a:r>
+            <a:r>
+              <a:rPr lang="bg-BG" dirty="0" smtClean="0"/>
+              <a:t> отделни </a:t>
+            </a:r>
+            <a:r>
+              <a:rPr lang="bg-BG" b="1" dirty="0" smtClean="0"/>
+              <a:t>папки</a:t>
+            </a:r>
+            <a:r>
+              <a:rPr lang="bg-BG" dirty="0" smtClean="0"/>
+              <a:t> – </a:t>
+            </a:r>
+            <a:r>
+              <a:rPr lang="en-US" b="1" dirty="0" smtClean="0">
+                <a:solidFill>
+                  <a:schemeClr val="bg1"/>
+                </a:solidFill>
+              </a:rPr>
+              <a:t>raster</a:t>
+            </a:r>
+            <a:r>
               <a:rPr lang="en-US" dirty="0" smtClean="0"/>
-              <a:t>TODO</a:t>
-            </a:r>
-            <a:endParaRPr lang="en-US" dirty="0"/>
+              <a:t>,</a:t>
+            </a:r>
+            <a:r>
+              <a:rPr lang="bg-BG" dirty="0" smtClean="0"/>
+              <a:t> </a:t>
+            </a:r>
+            <a:r>
+              <a:rPr lang="en-US" b="1" dirty="0" smtClean="0">
+                <a:solidFill>
+                  <a:schemeClr val="bg1"/>
+                </a:solidFill>
+              </a:rPr>
+              <a:t>vector</a:t>
+            </a:r>
+            <a:endParaRPr lang="en-US" b="1" dirty="0">
+              <a:solidFill>
+                <a:schemeClr val="bg1"/>
+              </a:solidFill>
+            </a:endParaRPr>
           </a:p>
         </p:txBody>
       </p:sp>
@@ -11635,6 +13276,43 @@
           </a:p>
         </p:txBody>
       </p:sp>
+      <p:pic>
+        <p:nvPicPr>
+          <p:cNvPr id="5" name="Picture 4"/>
+          <p:cNvPicPr>
+            <a:picLocks noChangeAspect="1"/>
+          </p:cNvPicPr>
+          <p:nvPr/>
+        </p:nvPicPr>
+        <p:blipFill>
+          <a:blip r:embed="rId2">
+            <a:extLst>
+              <a:ext uri="{28A0092B-C50C-407E-A947-70E740481C1C}">
+                <a14:useLocalDpi xmlns:a14="http://schemas.microsoft.com/office/drawing/2010/main" val="0"/>
+              </a:ext>
+            </a:extLst>
+          </a:blip>
+          <a:stretch>
+            <a:fillRect/>
+          </a:stretch>
+        </p:blipFill>
+        <p:spPr>
+          <a:xfrm>
+            <a:off x="3693450" y="3046500"/>
+            <a:ext cx="4812000" cy="3609000"/>
+          </a:xfrm>
+          <a:prstGeom prst="rect">
+            <a:avLst/>
+          </a:prstGeom>
+          <a:ln>
+            <a:solidFill>
+              <a:schemeClr val="bg2">
+                <a:lumMod val="75000"/>
+              </a:schemeClr>
+            </a:solidFill>
+          </a:ln>
+        </p:spPr>
+      </p:pic>
     </p:spTree>
     <p:extLst>
       <p:ext uri="{BB962C8B-B14F-4D97-AF65-F5344CB8AC3E}">
@@ -11653,6 +13331,13 @@
       <p:transition spd="slow" advClick="0" advTm="5000"/>
     </mc:Fallback>
   </mc:AlternateContent>
+  <p:timing>
+    <p:tnLst>
+      <p:par>
+        <p:cTn id="1" dur="indefinite" restart="never" nodeType="tmRoot"/>
+      </p:par>
+    </p:tnLst>
+  </p:timing>
 </p:sld>
 </file>
 
